--- a/materials/slides/ch06.pptx
+++ b/materials/slides/ch06.pptx
@@ -941,9 +941,7 @@
             <p:ph type="sldImg"/>
           </p:nvPr>
         </p:nvSpPr>
-        <p:spPr>
-          <a:ln/>
-        </p:spPr>
+        <p:spPr/>
       </p:sp>
       <p:sp>
         <p:nvSpPr>
@@ -955,9 +953,7 @@
             <p:ph type="body"/>
           </p:nvPr>
         </p:nvSpPr>
-        <p:spPr>
-          <a:ln/>
-        </p:spPr>
+        <p:spPr/>
         <p:txBody>
           <a:bodyPr wrap="square" lIns="91428" tIns="45714" rIns="91428" bIns="45714" anchor="t"/>
           <a:p>
@@ -1034,9 +1030,7 @@
             <p:ph type="sldImg"/>
           </p:nvPr>
         </p:nvSpPr>
-        <p:spPr>
-          <a:ln/>
-        </p:spPr>
+        <p:spPr/>
       </p:sp>
       <p:sp>
         <p:nvSpPr>
@@ -1048,9 +1042,7 @@
             <p:ph type="body"/>
           </p:nvPr>
         </p:nvSpPr>
-        <p:spPr>
-          <a:ln/>
-        </p:spPr>
+        <p:spPr/>
         <p:txBody>
           <a:bodyPr wrap="square" lIns="91428" tIns="45714" rIns="91428" bIns="45714" anchor="t"/>
           <a:p>
@@ -1139,9 +1131,7 @@
             <p:ph type="sldImg"/>
           </p:nvPr>
         </p:nvSpPr>
-        <p:spPr>
-          <a:ln/>
-        </p:spPr>
+        <p:spPr/>
       </p:sp>
       <p:sp>
         <p:nvSpPr>
@@ -1153,9 +1143,7 @@
             <p:ph type="body"/>
           </p:nvPr>
         </p:nvSpPr>
-        <p:spPr>
-          <a:ln/>
-        </p:spPr>
+        <p:spPr/>
         <p:txBody>
           <a:bodyPr wrap="square" lIns="91428" tIns="45714" rIns="91428" bIns="45714" anchor="t"/>
           <a:p>
@@ -1244,9 +1232,7 @@
             <p:ph type="sldImg"/>
           </p:nvPr>
         </p:nvSpPr>
-        <p:spPr>
-          <a:ln/>
-        </p:spPr>
+        <p:spPr/>
       </p:sp>
       <p:sp>
         <p:nvSpPr>
@@ -1258,9 +1244,7 @@
             <p:ph type="body"/>
           </p:nvPr>
         </p:nvSpPr>
-        <p:spPr>
-          <a:ln/>
-        </p:spPr>
+        <p:spPr/>
         <p:txBody>
           <a:bodyPr wrap="square" lIns="91428" tIns="45714" rIns="91428" bIns="45714" anchor="t"/>
           <a:p>
@@ -1349,9 +1333,7 @@
             <p:ph type="sldImg"/>
           </p:nvPr>
         </p:nvSpPr>
-        <p:spPr>
-          <a:ln/>
-        </p:spPr>
+        <p:spPr/>
       </p:sp>
       <p:sp>
         <p:nvSpPr>
@@ -1363,9 +1345,7 @@
             <p:ph type="body"/>
           </p:nvPr>
         </p:nvSpPr>
-        <p:spPr>
-          <a:ln/>
-        </p:spPr>
+        <p:spPr/>
         <p:txBody>
           <a:bodyPr wrap="square" lIns="91428" tIns="45714" rIns="91428" bIns="45714" anchor="t"/>
           <a:p>
@@ -1454,9 +1434,7 @@
             <p:ph type="sldImg"/>
           </p:nvPr>
         </p:nvSpPr>
-        <p:spPr>
-          <a:ln/>
-        </p:spPr>
+        <p:spPr/>
       </p:sp>
       <p:sp>
         <p:nvSpPr>
@@ -1468,9 +1446,7 @@
             <p:ph type="body"/>
           </p:nvPr>
         </p:nvSpPr>
-        <p:spPr>
-          <a:ln/>
-        </p:spPr>
+        <p:spPr/>
         <p:txBody>
           <a:bodyPr wrap="square" lIns="91428" tIns="45714" rIns="91428" bIns="45714" anchor="t"/>
           <a:p>
@@ -1559,9 +1535,7 @@
             <p:ph type="sldImg"/>
           </p:nvPr>
         </p:nvSpPr>
-        <p:spPr>
-          <a:ln/>
-        </p:spPr>
+        <p:spPr/>
       </p:sp>
       <p:sp>
         <p:nvSpPr>
@@ -1573,9 +1547,7 @@
             <p:ph type="body"/>
           </p:nvPr>
         </p:nvSpPr>
-        <p:spPr>
-          <a:ln/>
-        </p:spPr>
+        <p:spPr/>
         <p:txBody>
           <a:bodyPr wrap="square" lIns="91428" tIns="45714" rIns="91428" bIns="45714" anchor="t"/>
           <a:p>
@@ -1664,9 +1636,7 @@
             <p:ph type="sldImg"/>
           </p:nvPr>
         </p:nvSpPr>
-        <p:spPr>
-          <a:ln/>
-        </p:spPr>
+        <p:spPr/>
       </p:sp>
       <p:sp>
         <p:nvSpPr>
@@ -1678,9 +1648,7 @@
             <p:ph type="body"/>
           </p:nvPr>
         </p:nvSpPr>
-        <p:spPr>
-          <a:ln/>
-        </p:spPr>
+        <p:spPr/>
         <p:txBody>
           <a:bodyPr wrap="square" lIns="91428" tIns="45714" rIns="91428" bIns="45714" anchor="t"/>
           <a:p>
@@ -1769,9 +1737,7 @@
             <p:ph type="sldImg"/>
           </p:nvPr>
         </p:nvSpPr>
-        <p:spPr>
-          <a:ln/>
-        </p:spPr>
+        <p:spPr/>
       </p:sp>
       <p:sp>
         <p:nvSpPr>
@@ -1783,9 +1749,7 @@
             <p:ph type="body"/>
           </p:nvPr>
         </p:nvSpPr>
-        <p:spPr>
-          <a:ln/>
-        </p:spPr>
+        <p:spPr/>
         <p:txBody>
           <a:bodyPr wrap="square" lIns="91428" tIns="45714" rIns="91428" bIns="45714" anchor="t"/>
           <a:p>
@@ -1874,9 +1838,7 @@
             <p:ph type="sldImg"/>
           </p:nvPr>
         </p:nvSpPr>
-        <p:spPr>
-          <a:ln/>
-        </p:spPr>
+        <p:spPr/>
       </p:sp>
       <p:sp>
         <p:nvSpPr>
@@ -1888,9 +1850,7 @@
             <p:ph type="body"/>
           </p:nvPr>
         </p:nvSpPr>
-        <p:spPr>
-          <a:ln/>
-        </p:spPr>
+        <p:spPr/>
         <p:txBody>
           <a:bodyPr wrap="square" lIns="91428" tIns="45714" rIns="91428" bIns="45714" anchor="t"/>
           <a:p>
@@ -1979,9 +1939,7 @@
             <p:ph type="sldImg"/>
           </p:nvPr>
         </p:nvSpPr>
-        <p:spPr>
-          <a:ln/>
-        </p:spPr>
+        <p:spPr/>
       </p:sp>
       <p:sp>
         <p:nvSpPr>
@@ -1993,9 +1951,7 @@
             <p:ph type="body"/>
           </p:nvPr>
         </p:nvSpPr>
-        <p:spPr>
-          <a:ln/>
-        </p:spPr>
+        <p:spPr/>
         <p:txBody>
           <a:bodyPr wrap="square" lIns="91428" tIns="45714" rIns="91428" bIns="45714" anchor="t"/>
           <a:p>
@@ -2084,9 +2040,7 @@
             <p:ph type="sldImg"/>
           </p:nvPr>
         </p:nvSpPr>
-        <p:spPr>
-          <a:ln/>
-        </p:spPr>
+        <p:spPr/>
       </p:sp>
       <p:sp>
         <p:nvSpPr>
@@ -2098,9 +2052,7 @@
             <p:ph type="body"/>
           </p:nvPr>
         </p:nvSpPr>
-        <p:spPr>
-          <a:ln/>
-        </p:spPr>
+        <p:spPr/>
         <p:txBody>
           <a:bodyPr wrap="square" lIns="91428" tIns="45714" rIns="91428" bIns="45714" anchor="t"/>
           <a:p>
@@ -2189,9 +2141,7 @@
             <p:ph type="sldImg"/>
           </p:nvPr>
         </p:nvSpPr>
-        <p:spPr>
-          <a:ln/>
-        </p:spPr>
+        <p:spPr/>
       </p:sp>
       <p:sp>
         <p:nvSpPr>
@@ -2203,9 +2153,7 @@
             <p:ph type="body"/>
           </p:nvPr>
         </p:nvSpPr>
-        <p:spPr>
-          <a:ln/>
-        </p:spPr>
+        <p:spPr/>
         <p:txBody>
           <a:bodyPr wrap="square" lIns="91428" tIns="45714" rIns="91428" bIns="45714" anchor="t"/>
           <a:p>
@@ -2294,9 +2242,7 @@
             <p:ph type="sldImg"/>
           </p:nvPr>
         </p:nvSpPr>
-        <p:spPr>
-          <a:ln/>
-        </p:spPr>
+        <p:spPr/>
       </p:sp>
       <p:sp>
         <p:nvSpPr>
@@ -2308,9 +2254,7 @@
             <p:ph type="body"/>
           </p:nvPr>
         </p:nvSpPr>
-        <p:spPr>
-          <a:ln/>
-        </p:spPr>
+        <p:spPr/>
         <p:txBody>
           <a:bodyPr wrap="square" lIns="91428" tIns="45714" rIns="91428" bIns="45714" anchor="t"/>
           <a:p>
@@ -2399,9 +2343,7 @@
             <p:ph type="sldImg"/>
           </p:nvPr>
         </p:nvSpPr>
-        <p:spPr>
-          <a:ln/>
-        </p:spPr>
+        <p:spPr/>
       </p:sp>
       <p:sp>
         <p:nvSpPr>
@@ -2413,9 +2355,7 @@
             <p:ph type="body"/>
           </p:nvPr>
         </p:nvSpPr>
-        <p:spPr>
-          <a:ln/>
-        </p:spPr>
+        <p:spPr/>
         <p:txBody>
           <a:bodyPr wrap="square" lIns="91428" tIns="45714" rIns="91428" bIns="45714" anchor="t"/>
           <a:p>
@@ -2504,9 +2444,7 @@
             <p:ph type="sldImg"/>
           </p:nvPr>
         </p:nvSpPr>
-        <p:spPr>
-          <a:ln/>
-        </p:spPr>
+        <p:spPr/>
       </p:sp>
       <p:sp>
         <p:nvSpPr>
@@ -2518,9 +2456,7 @@
             <p:ph type="body"/>
           </p:nvPr>
         </p:nvSpPr>
-        <p:spPr>
-          <a:ln/>
-        </p:spPr>
+        <p:spPr/>
         <p:txBody>
           <a:bodyPr wrap="square" lIns="91428" tIns="45714" rIns="91428" bIns="45714" anchor="t"/>
           <a:p>
@@ -2609,9 +2545,7 @@
             <p:ph type="sldImg"/>
           </p:nvPr>
         </p:nvSpPr>
-        <p:spPr>
-          <a:ln/>
-        </p:spPr>
+        <p:spPr/>
       </p:sp>
       <p:sp>
         <p:nvSpPr>
@@ -2623,9 +2557,7 @@
             <p:ph type="body"/>
           </p:nvPr>
         </p:nvSpPr>
-        <p:spPr>
-          <a:ln/>
-        </p:spPr>
+        <p:spPr/>
         <p:txBody>
           <a:bodyPr wrap="square" lIns="91428" tIns="45714" rIns="91428" bIns="45714" anchor="t"/>
           <a:p>
@@ -2714,9 +2646,7 @@
             <p:ph type="sldImg"/>
           </p:nvPr>
         </p:nvSpPr>
-        <p:spPr>
-          <a:ln/>
-        </p:spPr>
+        <p:spPr/>
       </p:sp>
       <p:sp>
         <p:nvSpPr>
@@ -2728,9 +2658,7 @@
             <p:ph type="body"/>
           </p:nvPr>
         </p:nvSpPr>
-        <p:spPr>
-          <a:ln/>
-        </p:spPr>
+        <p:spPr/>
         <p:txBody>
           <a:bodyPr wrap="square" lIns="91428" tIns="45714" rIns="91428" bIns="45714" anchor="t"/>
           <a:p>
@@ -2819,9 +2747,7 @@
             <p:ph type="sldImg"/>
           </p:nvPr>
         </p:nvSpPr>
-        <p:spPr>
-          <a:ln/>
-        </p:spPr>
+        <p:spPr/>
       </p:sp>
       <p:sp>
         <p:nvSpPr>
@@ -2833,9 +2759,7 @@
             <p:ph type="body"/>
           </p:nvPr>
         </p:nvSpPr>
-        <p:spPr>
-          <a:ln/>
-        </p:spPr>
+        <p:spPr/>
         <p:txBody>
           <a:bodyPr wrap="square" lIns="91428" tIns="45714" rIns="91428" bIns="45714" anchor="t"/>
           <a:p>
@@ -2924,9 +2848,7 @@
             <p:ph type="sldImg"/>
           </p:nvPr>
         </p:nvSpPr>
-        <p:spPr>
-          <a:ln/>
-        </p:spPr>
+        <p:spPr/>
       </p:sp>
       <p:sp>
         <p:nvSpPr>
@@ -2938,9 +2860,7 @@
             <p:ph type="body"/>
           </p:nvPr>
         </p:nvSpPr>
-        <p:spPr>
-          <a:ln/>
-        </p:spPr>
+        <p:spPr/>
         <p:txBody>
           <a:bodyPr wrap="square" lIns="91428" tIns="45714" rIns="91428" bIns="45714" anchor="t"/>
           <a:p>
@@ -3017,9 +2937,7 @@
             <p:ph type="sldImg"/>
           </p:nvPr>
         </p:nvSpPr>
-        <p:spPr>
-          <a:ln/>
-        </p:spPr>
+        <p:spPr/>
       </p:sp>
       <p:sp>
         <p:nvSpPr>
@@ -3031,9 +2949,7 @@
             <p:ph type="body"/>
           </p:nvPr>
         </p:nvSpPr>
-        <p:spPr>
-          <a:ln/>
-        </p:spPr>
+        <p:spPr/>
         <p:txBody>
           <a:bodyPr wrap="square" lIns="91428" tIns="45714" rIns="91428" bIns="45714" anchor="t"/>
           <a:p>
@@ -3122,9 +3038,7 @@
             <p:ph type="sldImg"/>
           </p:nvPr>
         </p:nvSpPr>
-        <p:spPr>
-          <a:ln/>
-        </p:spPr>
+        <p:spPr/>
       </p:sp>
       <p:sp>
         <p:nvSpPr>
@@ -3136,9 +3050,7 @@
             <p:ph type="body"/>
           </p:nvPr>
         </p:nvSpPr>
-        <p:spPr>
-          <a:ln/>
-        </p:spPr>
+        <p:spPr/>
         <p:txBody>
           <a:bodyPr wrap="square" lIns="91428" tIns="45714" rIns="91428" bIns="45714" anchor="t"/>
           <a:p>
@@ -3227,9 +3139,7 @@
             <p:ph type="sldImg"/>
           </p:nvPr>
         </p:nvSpPr>
-        <p:spPr>
-          <a:ln/>
-        </p:spPr>
+        <p:spPr/>
       </p:sp>
       <p:sp>
         <p:nvSpPr>
@@ -3241,9 +3151,7 @@
             <p:ph type="body"/>
           </p:nvPr>
         </p:nvSpPr>
-        <p:spPr>
-          <a:ln/>
-        </p:spPr>
+        <p:spPr/>
         <p:txBody>
           <a:bodyPr wrap="square" lIns="91428" tIns="45714" rIns="91428" bIns="45714" anchor="t"/>
           <a:p>
@@ -3332,9 +3240,7 @@
             <p:ph type="sldImg"/>
           </p:nvPr>
         </p:nvSpPr>
-        <p:spPr>
-          <a:ln/>
-        </p:spPr>
+        <p:spPr/>
       </p:sp>
       <p:sp>
         <p:nvSpPr>
@@ -3346,9 +3252,7 @@
             <p:ph type="body"/>
           </p:nvPr>
         </p:nvSpPr>
-        <p:spPr>
-          <a:ln/>
-        </p:spPr>
+        <p:spPr/>
         <p:txBody>
           <a:bodyPr wrap="square" lIns="91428" tIns="45714" rIns="91428" bIns="45714" anchor="t"/>
           <a:p>
@@ -3437,9 +3341,7 @@
             <p:ph type="sldImg"/>
           </p:nvPr>
         </p:nvSpPr>
-        <p:spPr>
-          <a:ln/>
-        </p:spPr>
+        <p:spPr/>
       </p:sp>
       <p:sp>
         <p:nvSpPr>
@@ -3451,9 +3353,7 @@
             <p:ph type="body"/>
           </p:nvPr>
         </p:nvSpPr>
-        <p:spPr>
-          <a:ln/>
-        </p:spPr>
+        <p:spPr/>
         <p:txBody>
           <a:bodyPr wrap="square" lIns="91428" tIns="45714" rIns="91428" bIns="45714" anchor="t"/>
           <a:p>
@@ -3542,9 +3442,7 @@
             <p:ph type="sldImg"/>
           </p:nvPr>
         </p:nvSpPr>
-        <p:spPr>
-          <a:ln/>
-        </p:spPr>
+        <p:spPr/>
       </p:sp>
       <p:sp>
         <p:nvSpPr>
@@ -3556,9 +3454,7 @@
             <p:ph type="body"/>
           </p:nvPr>
         </p:nvSpPr>
-        <p:spPr>
-          <a:ln/>
-        </p:spPr>
+        <p:spPr/>
         <p:txBody>
           <a:bodyPr wrap="square" lIns="91428" tIns="45714" rIns="91428" bIns="45714" anchor="t"/>
           <a:p>
@@ -3647,9 +3543,7 @@
             <p:ph type="sldImg"/>
           </p:nvPr>
         </p:nvSpPr>
-        <p:spPr>
-          <a:ln/>
-        </p:spPr>
+        <p:spPr/>
       </p:sp>
       <p:sp>
         <p:nvSpPr>
@@ -3661,9 +3555,7 @@
             <p:ph type="body"/>
           </p:nvPr>
         </p:nvSpPr>
-        <p:spPr>
-          <a:ln/>
-        </p:spPr>
+        <p:spPr/>
         <p:txBody>
           <a:bodyPr wrap="square" lIns="91428" tIns="45714" rIns="91428" bIns="45714" anchor="t"/>
           <a:p>
@@ -12650,7 +12542,7 @@
             <a:r>
               <a:rPr kumimoji="1" lang="en-US" altLang="zh-CN">
                 <a:solidFill>
-                  <a:schemeClr val="tx1"/>
+                  <a:srgbClr val="FF0000"/>
                 </a:solidFill>
                 <a:latin typeface="微软雅黑" panose="020B0503020204020204" pitchFamily="1" charset="-122"/>
                 <a:ea typeface="微软雅黑" panose="020B0503020204020204" pitchFamily="1" charset="-122"/>
@@ -12661,7 +12553,7 @@
             <a:r>
               <a:rPr kumimoji="1" lang="zh-CN" altLang="en-US">
                 <a:solidFill>
-                  <a:schemeClr val="tx1"/>
+                  <a:srgbClr val="FF0000"/>
                 </a:solidFill>
                 <a:latin typeface="微软雅黑" panose="020B0503020204020204" pitchFamily="1" charset="-122"/>
                 <a:ea typeface="微软雅黑" panose="020B0503020204020204" pitchFamily="1" charset="-122"/>
@@ -12671,7 +12563,7 @@
             </a:r>
             <a:endParaRPr kumimoji="1" lang="zh-CN" altLang="en-US">
               <a:solidFill>
-                <a:schemeClr val="tx1"/>
+                <a:srgbClr val="FF0000"/>
               </a:solidFill>
               <a:latin typeface="微软雅黑" panose="020B0503020204020204" pitchFamily="1" charset="-122"/>
               <a:ea typeface="微软雅黑" panose="020B0503020204020204" pitchFamily="1" charset="-122"/>
@@ -12683,7 +12575,7 @@
             <a:r>
               <a:rPr kumimoji="1" lang="en-US" altLang="zh-CN" err="1">
                 <a:solidFill>
-                  <a:schemeClr val="tx1"/>
+                  <a:srgbClr val="FF0000"/>
                 </a:solidFill>
                 <a:latin typeface="微软雅黑" panose="020B0503020204020204" pitchFamily="1" charset="-122"/>
                 <a:ea typeface="微软雅黑" panose="020B0503020204020204" pitchFamily="1" charset="-122"/>
@@ -12694,7 +12586,7 @@
             <a:r>
               <a:rPr kumimoji="1" lang="zh-CN" altLang="en-US" err="1">
                 <a:solidFill>
-                  <a:schemeClr val="tx1"/>
+                  <a:srgbClr val="FF0000"/>
                 </a:solidFill>
                 <a:latin typeface="微软雅黑" panose="020B0503020204020204" pitchFamily="1" charset="-122"/>
                 <a:ea typeface="微软雅黑" panose="020B0503020204020204" pitchFamily="1" charset="-122"/>
@@ -13309,7 +13201,7 @@
             <a:r>
               <a:rPr kumimoji="1" lang="en-US" altLang="zh-CN" err="1">
                 <a:solidFill>
-                  <a:srgbClr val="7F0000"/>
+                  <a:schemeClr val="accent3"/>
                 </a:solidFill>
                 <a:latin typeface="微软雅黑" panose="020B0503020204020204" pitchFamily="1" charset="-122"/>
                 <a:ea typeface="微软雅黑" panose="020B0503020204020204" pitchFamily="1" charset="-122"/>
@@ -13320,7 +13212,7 @@
             <a:r>
               <a:rPr kumimoji="1" lang="zh-CN" altLang="en-US">
                 <a:solidFill>
-                  <a:srgbClr val="7F0000"/>
+                  <a:schemeClr val="accent3"/>
                 </a:solidFill>
                 <a:latin typeface="微软雅黑" panose="020B0503020204020204" pitchFamily="1" charset="-122"/>
                 <a:ea typeface="微软雅黑" panose="020B0503020204020204" pitchFamily="1" charset="-122"/>
@@ -13331,7 +13223,7 @@
             <a:r>
               <a:rPr kumimoji="1" lang="en-US" altLang="zh-CN" err="1">
                 <a:solidFill>
-                  <a:srgbClr val="7F0000"/>
+                  <a:schemeClr val="accent3"/>
                 </a:solidFill>
                 <a:latin typeface="微软雅黑" panose="020B0503020204020204" pitchFamily="1" charset="-122"/>
                 <a:ea typeface="微软雅黑" panose="020B0503020204020204" pitchFamily="1" charset="-122"/>
@@ -13619,8 +13511,8 @@
         </p:nvSpPr>
         <p:spPr>
           <a:xfrm>
-            <a:off x="5149850" y="6022975"/>
-            <a:ext cx="5053013" cy="398463"/>
+            <a:off x="1090930" y="5294630"/>
+            <a:ext cx="7870825" cy="706755"/>
           </a:xfrm>
           <a:prstGeom prst="rect">
             <a:avLst/>
@@ -13636,58 +13528,57 @@
           </a:bodyPr>
           <a:p>
             <a:r>
+              <a:rPr lang="zh-CN" sz="2000">
+                <a:solidFill>
+                  <a:schemeClr val="tx1"/>
+                </a:solidFill>
+                <a:latin typeface="微软雅黑" panose="020B0503020204020204" pitchFamily="1" charset="-122"/>
+                <a:ea typeface="微软雅黑" panose="020B0503020204020204" pitchFamily="1" charset="-122"/>
+              </a:rPr>
+              <a:t>实验任务：查阅</a:t>
+            </a:r>
+            <a:r>
+              <a:rPr lang="en-US" altLang="zh-CN" sz="2000">
+                <a:solidFill>
+                  <a:schemeClr val="tx1"/>
+                </a:solidFill>
+                <a:latin typeface="微软雅黑" panose="020B0503020204020204" pitchFamily="1" charset="-122"/>
+                <a:ea typeface="微软雅黑" panose="020B0503020204020204" pitchFamily="1" charset="-122"/>
+              </a:rPr>
+              <a:t>API</a:t>
+            </a:r>
+            <a:r>
               <a:rPr lang="zh-CN" altLang="en-US" sz="2000">
                 <a:solidFill>
-                  <a:srgbClr val="03714E"/>
-                </a:solidFill>
-                <a:latin typeface="微软雅黑" panose="020B0503020204020204" pitchFamily="1" charset="-122"/>
-                <a:ea typeface="微软雅黑" panose="020B0503020204020204" pitchFamily="1" charset="-122"/>
-              </a:rPr>
-              <a:t>参考《</a:t>
-            </a:r>
-            <a:r>
-              <a:rPr lang="en-US" altLang="zh-CN" sz="2000">
-                <a:solidFill>
-                  <a:srgbClr val="03714E"/>
-                </a:solidFill>
-                <a:latin typeface="微软雅黑" panose="020B0503020204020204" pitchFamily="1" charset="-122"/>
-                <a:ea typeface="微软雅黑" panose="020B0503020204020204" pitchFamily="1" charset="-122"/>
-              </a:rPr>
-              <a:t>Cocos2d-JS</a:t>
-            </a:r>
-            <a:r>
-              <a:rPr lang="zh-CN" altLang="en-US" sz="2000">
-                <a:solidFill>
-                  <a:srgbClr val="03714E"/>
-                </a:solidFill>
-                <a:latin typeface="微软雅黑" panose="020B0503020204020204" pitchFamily="1" charset="-122"/>
-                <a:ea typeface="微软雅黑" panose="020B0503020204020204" pitchFamily="1" charset="-122"/>
-              </a:rPr>
-              <a:t>游戏开发》 </a:t>
-            </a:r>
-            <a:r>
-              <a:rPr lang="en-US" altLang="zh-CN" sz="2000">
-                <a:solidFill>
-                  <a:srgbClr val="03714E"/>
-                </a:solidFill>
-                <a:latin typeface="微软雅黑" panose="020B0503020204020204" pitchFamily="1" charset="-122"/>
-                <a:ea typeface="微软雅黑" panose="020B0503020204020204" pitchFamily="1" charset="-122"/>
-              </a:rPr>
-              <a:t>3.3</a:t>
-            </a:r>
-            <a:r>
-              <a:rPr lang="zh-CN" altLang="en-US" sz="2000">
-                <a:solidFill>
-                  <a:srgbClr val="03714E"/>
-                </a:solidFill>
-                <a:latin typeface="微软雅黑" panose="020B0503020204020204" pitchFamily="1" charset="-122"/>
-                <a:ea typeface="微软雅黑" panose="020B0503020204020204" pitchFamily="1" charset="-122"/>
-              </a:rPr>
-              <a:t>章节</a:t>
-            </a:r>
-            <a:endParaRPr lang="zh-CN" altLang="en-US" sz="2000">
+                  <a:schemeClr val="tx1"/>
+                </a:solidFill>
+                <a:latin typeface="微软雅黑" panose="020B0503020204020204" pitchFamily="1" charset="-122"/>
+                <a:ea typeface="微软雅黑" panose="020B0503020204020204" pitchFamily="1" charset="-122"/>
+              </a:rPr>
+              <a:t>文档，熟悉常用属性和方法</a:t>
+            </a:r>
+            <a:endParaRPr sz="2000">
               <a:solidFill>
                 <a:srgbClr val="03714E"/>
+              </a:solidFill>
+              <a:latin typeface="微软雅黑" panose="020B0503020204020204" pitchFamily="1" charset="-122"/>
+              <a:ea typeface="微软雅黑" panose="020B0503020204020204" pitchFamily="1" charset="-122"/>
+            </a:endParaRPr>
+          </a:p>
+          <a:p>
+            <a:r>
+              <a:rPr sz="2000">
+                <a:solidFill>
+                  <a:srgbClr val="FF0000"/>
+                </a:solidFill>
+                <a:latin typeface="微软雅黑" panose="020B0503020204020204" pitchFamily="1" charset="-122"/>
+                <a:ea typeface="微软雅黑" panose="020B0503020204020204" pitchFamily="1" charset="-122"/>
+              </a:rPr>
+              <a:t>https://docs.cocos2d-x.org/api-ref/js/V3.12/</a:t>
+            </a:r>
+            <a:endParaRPr sz="2000">
+              <a:solidFill>
+                <a:srgbClr val="FF0000"/>
               </a:solidFill>
               <a:latin typeface="微软雅黑" panose="020B0503020204020204" pitchFamily="1" charset="-122"/>
               <a:ea typeface="微软雅黑" panose="020B0503020204020204" pitchFamily="1" charset="-122"/>
@@ -14702,6 +14593,43 @@
               <a:latin typeface="Arial" panose="020B0604020202020204" pitchFamily="34" charset="0"/>
               <a:ea typeface="微软雅黑" panose="020B0503020204020204" pitchFamily="1" charset="-122"/>
             </a:endParaRPr>
+          </a:p>
+        </p:txBody>
+      </p:sp>
+      <p:sp>
+        <p:nvSpPr>
+          <p:cNvPr id="2" name="文本框 1"/>
+          <p:cNvSpPr txBox="1"/>
+          <p:nvPr/>
+        </p:nvSpPr>
+        <p:spPr>
+          <a:xfrm>
+            <a:off x="8952230" y="3149600"/>
+            <a:ext cx="2131695" cy="1198880"/>
+          </a:xfrm>
+          <a:prstGeom prst="rect">
+            <a:avLst/>
+          </a:prstGeom>
+          <a:noFill/>
+        </p:spPr>
+        <p:txBody>
+          <a:bodyPr wrap="square" rtlCol="0">
+            <a:spAutoFit/>
+          </a:bodyPr>
+          <a:p>
+            <a:r>
+              <a:rPr lang="zh-CN" altLang="en-US" sz="2400">
+                <a:solidFill>
+                  <a:srgbClr val="FF0000"/>
+                </a:solidFill>
+              </a:rPr>
+              <a:t>思考</a:t>
+            </a:r>
+            <a:r>
+              <a:rPr lang="zh-CN" altLang="en-US" sz="2400"/>
+              <a:t>：红色节点的锚点是多少？</a:t>
+            </a:r>
+            <a:endParaRPr lang="zh-CN" altLang="en-US" sz="2400"/>
           </a:p>
         </p:txBody>
       </p:sp>
@@ -16102,7 +16030,7 @@
                 <a:ea typeface="微软雅黑" panose="020B0503020204020204" pitchFamily="1" charset="-122"/>
                 <a:cs typeface="微软雅黑" panose="020B0503020204020204" pitchFamily="1" charset="-122"/>
               </a:rPr>
-              <a:t>Node1</a:t>
+              <a:t>node1</a:t>
             </a:r>
             <a:r>
               <a:rPr kumimoji="1" lang="zh-CN" altLang="en-US" sz="1800">
@@ -16491,17 +16419,6 @@
               </a:rPr>
               <a:t>轴</a:t>
             </a:r>
-            <a:endParaRPr kumimoji="1" lang="en-US" altLang="zh-CN">
-              <a:solidFill>
-                <a:srgbClr val="C00000"/>
-              </a:solidFill>
-              <a:latin typeface="微软雅黑" panose="020B0503020204020204" pitchFamily="1" charset="-122"/>
-              <a:ea typeface="微软雅黑" panose="020B0503020204020204" pitchFamily="1" charset="-122"/>
-              <a:cs typeface="微软雅黑" panose="020B0503020204020204" pitchFamily="1" charset="-122"/>
-            </a:endParaRPr>
-          </a:p>
-          <a:p>
-            <a:pPr defTabSz="0"/>
             <a:endParaRPr kumimoji="1" lang="zh-CN" altLang="en-US">
               <a:solidFill>
                 <a:srgbClr val="C00000"/>
@@ -17140,17 +17057,6 @@
               </a:rPr>
               <a:t>轴</a:t>
             </a:r>
-            <a:endParaRPr kumimoji="1" lang="en-US" altLang="zh-CN" dirty="0">
-              <a:solidFill>
-                <a:srgbClr val="C00000"/>
-              </a:solidFill>
-              <a:latin typeface="微软雅黑" panose="020B0503020204020204" pitchFamily="1" charset="-122"/>
-              <a:ea typeface="微软雅黑" panose="020B0503020204020204" pitchFamily="1" charset="-122"/>
-              <a:cs typeface="微软雅黑" panose="020B0503020204020204" pitchFamily="1" charset="-122"/>
-            </a:endParaRPr>
-          </a:p>
-          <a:p>
-            <a:pPr defTabSz="0"/>
             <a:endParaRPr kumimoji="1" lang="zh-CN" altLang="en-US" dirty="0">
               <a:solidFill>
                 <a:srgbClr val="C00000"/>

--- a/materials/slides/ch06.pptx
+++ b/materials/slides/ch06.pptx
@@ -12663,7 +12663,7 @@
             <a:r>
               <a:rPr kumimoji="1" lang="en-US" altLang="zh-CN" err="1">
                 <a:solidFill>
-                  <a:schemeClr val="tx1"/>
+                  <a:srgbClr val="FF0000"/>
                 </a:solidFill>
                 <a:latin typeface="微软雅黑" panose="020B0503020204020204" pitchFamily="1" charset="-122"/>
                 <a:ea typeface="微软雅黑" panose="020B0503020204020204" pitchFamily="1" charset="-122"/>
